--- a/Documentatie/Powerpoints/18_11_2021.pptx
+++ b/Documentatie/Powerpoints/18_11_2021.pptx
@@ -6018,9 +6018,10 @@
           <a:p>
             <a:pPr lvl="2"/>
             <a:r>
-              <a:rPr lang="nl-BE" dirty="0"/>
-              <a:t>Verbeterde versie van de UI</a:t>
-            </a:r>
+              <a:rPr lang="nl-BE"/>
+              <a:t>Databank verbeterd</a:t>
+            </a:r>
+            <a:endParaRPr lang="nl-BE" dirty="0"/>
           </a:p>
         </p:txBody>
       </p:sp>
@@ -6124,10 +6125,9 @@
               <a:t>tabItems</a:t>
             </a:r>
             <a:r>
-              <a:rPr lang="nl-BE"/>
+              <a:rPr lang="nl-BE" dirty="0"/>
               <a:t> klaarzetten)</a:t>
             </a:r>
-            <a:endParaRPr lang="nl-BE" dirty="0"/>
           </a:p>
           <a:p>
             <a:pPr lvl="2"/>
